--- a/CG3207 Final Improvement.pptx
+++ b/CG3207 Final Improvement.pptx
@@ -9,6 +9,7 @@
     <p:sldId id="257" r:id="rId3"/>
     <p:sldId id="258" r:id="rId4"/>
     <p:sldId id="259" r:id="rId5"/>
+    <p:sldId id="260" r:id="rId6"/>
   </p:sldIdLst>
   <p:sldSz cx="12192000" cy="6858000"/>
   <p:notesSz cx="6858000" cy="9144000"/>
@@ -6031,6 +6032,343 @@
 </p:sld>
 </file>
 
+<file path=ppt/slides/slide5.xml><?xml version="1.0" encoding="utf-8"?>
+<p:sld xmlns:a="http://schemas.openxmlformats.org/drawingml/2006/main" xmlns:r="http://schemas.openxmlformats.org/officeDocument/2006/relationships" xmlns:p="http://schemas.openxmlformats.org/presentationml/2006/main">
+  <p:cSld>
+    <p:spTree>
+      <p:nvGrpSpPr>
+        <p:cNvPr id="1" name=""/>
+        <p:cNvGrpSpPr/>
+        <p:nvPr/>
+      </p:nvGrpSpPr>
+      <p:grpSpPr>
+        <a:xfrm>
+          <a:off x="0" y="0"/>
+          <a:ext cx="0" cy="0"/>
+          <a:chOff x="0" y="0"/>
+          <a:chExt cx="0" cy="0"/>
+        </a:xfrm>
+      </p:grpSpPr>
+      <p:sp>
+        <p:nvSpPr>
+          <p:cNvPr id="2" name="Title 1">
+            <a:extLst>
+              <a:ext uri="{FF2B5EF4-FFF2-40B4-BE49-F238E27FC236}">
+                <a16:creationId xmlns:a16="http://schemas.microsoft.com/office/drawing/2014/main" id="{190BC799-57CD-CBB1-3A43-72D2328BC4F7}"/>
+              </a:ext>
+            </a:extLst>
+          </p:cNvPr>
+          <p:cNvSpPr>
+            <a:spLocks noGrp="1"/>
+          </p:cNvSpPr>
+          <p:nvPr>
+            <p:ph type="title"/>
+          </p:nvPr>
+        </p:nvSpPr>
+        <p:spPr/>
+        <p:txBody>
+          <a:bodyPr/>
+          <a:lstStyle/>
+          <a:p>
+            <a:r>
+              <a:rPr lang="en-SG" dirty="0"/>
+              <a:t>2-bit Dynamic Branch Predictor</a:t>
+            </a:r>
+          </a:p>
+        </p:txBody>
+      </p:sp>
+      <p:sp>
+        <p:nvSpPr>
+          <p:cNvPr id="6" name="TextBox 5">
+            <a:extLst>
+              <a:ext uri="{FF2B5EF4-FFF2-40B4-BE49-F238E27FC236}">
+                <a16:creationId xmlns:a16="http://schemas.microsoft.com/office/drawing/2014/main" id="{21BBE269-94A6-C557-3677-9D5F338DC0EA}"/>
+              </a:ext>
+            </a:extLst>
+          </p:cNvPr>
+          <p:cNvSpPr txBox="1"/>
+          <p:nvPr/>
+        </p:nvSpPr>
+        <p:spPr>
+          <a:xfrm>
+            <a:off x="1134816" y="2526382"/>
+            <a:ext cx="2055481" cy="1754326"/>
+          </a:xfrm>
+          <a:prstGeom prst="rect">
+            <a:avLst/>
+          </a:prstGeom>
+          <a:noFill/>
+        </p:spPr>
+        <p:txBody>
+          <a:bodyPr wrap="square" rtlCol="0">
+            <a:spAutoFit/>
+          </a:bodyPr>
+          <a:lstStyle/>
+          <a:p>
+            <a:r>
+              <a:rPr lang="en-SG" dirty="0"/>
+              <a:t>Reduces the wasted cycles from always 2 to now potentially 0 for conditional branches</a:t>
+            </a:r>
+          </a:p>
+        </p:txBody>
+      </p:sp>
+      <p:pic>
+        <p:nvPicPr>
+          <p:cNvPr id="8" name="Picture 7">
+            <a:extLst>
+              <a:ext uri="{FF2B5EF4-FFF2-40B4-BE49-F238E27FC236}">
+                <a16:creationId xmlns:a16="http://schemas.microsoft.com/office/drawing/2014/main" id="{53ADE1CE-E1B1-1CDD-160F-9FFAC86A3D04}"/>
+              </a:ext>
+            </a:extLst>
+          </p:cNvPr>
+          <p:cNvPicPr>
+            <a:picLocks noChangeAspect="1"/>
+          </p:cNvPicPr>
+          <p:nvPr/>
+        </p:nvPicPr>
+        <p:blipFill>
+          <a:blip r:embed="rId2"/>
+          <a:stretch>
+            <a:fillRect/>
+          </a:stretch>
+        </p:blipFill>
+        <p:spPr>
+          <a:xfrm>
+            <a:off x="2976107" y="5575078"/>
+            <a:ext cx="6239785" cy="1273534"/>
+          </a:xfrm>
+          <a:prstGeom prst="rect">
+            <a:avLst/>
+          </a:prstGeom>
+        </p:spPr>
+      </p:pic>
+      <p:sp>
+        <p:nvSpPr>
+          <p:cNvPr id="9" name="Rectangle 8">
+            <a:extLst>
+              <a:ext uri="{FF2B5EF4-FFF2-40B4-BE49-F238E27FC236}">
+                <a16:creationId xmlns:a16="http://schemas.microsoft.com/office/drawing/2014/main" id="{FAFC7E36-1079-45C5-F9B7-A29FF316DC2E}"/>
+              </a:ext>
+            </a:extLst>
+          </p:cNvPr>
+          <p:cNvSpPr/>
+          <p:nvPr/>
+        </p:nvSpPr>
+        <p:spPr>
+          <a:xfrm>
+            <a:off x="2650861" y="5414304"/>
+            <a:ext cx="753627" cy="321548"/>
+          </a:xfrm>
+          <a:prstGeom prst="rect">
+            <a:avLst/>
+          </a:prstGeom>
+          <a:solidFill>
+            <a:schemeClr val="bg1"/>
+          </a:solidFill>
+          <a:ln>
+            <a:solidFill>
+              <a:schemeClr val="bg1"/>
+            </a:solidFill>
+          </a:ln>
+        </p:spPr>
+        <p:style>
+          <a:lnRef idx="2">
+            <a:schemeClr val="accent1">
+              <a:shade val="15000"/>
+            </a:schemeClr>
+          </a:lnRef>
+          <a:fillRef idx="1">
+            <a:schemeClr val="accent1"/>
+          </a:fillRef>
+          <a:effectRef idx="0">
+            <a:schemeClr val="accent1"/>
+          </a:effectRef>
+          <a:fontRef idx="minor">
+            <a:schemeClr val="lt1"/>
+          </a:fontRef>
+        </p:style>
+        <p:txBody>
+          <a:bodyPr rtlCol="0" anchor="ctr"/>
+          <a:lstStyle/>
+          <a:p>
+            <a:pPr algn="ctr"/>
+            <a:endParaRPr lang="en-SG"/>
+          </a:p>
+        </p:txBody>
+      </p:sp>
+      <p:sp>
+        <p:nvSpPr>
+          <p:cNvPr id="10" name="Rectangle 9">
+            <a:extLst>
+              <a:ext uri="{FF2B5EF4-FFF2-40B4-BE49-F238E27FC236}">
+                <a16:creationId xmlns:a16="http://schemas.microsoft.com/office/drawing/2014/main" id="{E21EB632-30F3-F4EE-A3EE-FD802851264A}"/>
+              </a:ext>
+            </a:extLst>
+          </p:cNvPr>
+          <p:cNvSpPr/>
+          <p:nvPr/>
+        </p:nvSpPr>
+        <p:spPr>
+          <a:xfrm>
+            <a:off x="7774120" y="6515610"/>
+            <a:ext cx="1531186" cy="321548"/>
+          </a:xfrm>
+          <a:prstGeom prst="rect">
+            <a:avLst/>
+          </a:prstGeom>
+          <a:solidFill>
+            <a:schemeClr val="bg1"/>
+          </a:solidFill>
+          <a:ln>
+            <a:solidFill>
+              <a:schemeClr val="bg1"/>
+            </a:solidFill>
+          </a:ln>
+        </p:spPr>
+        <p:style>
+          <a:lnRef idx="2">
+            <a:schemeClr val="accent1">
+              <a:shade val="15000"/>
+            </a:schemeClr>
+          </a:lnRef>
+          <a:fillRef idx="1">
+            <a:schemeClr val="accent1"/>
+          </a:fillRef>
+          <a:effectRef idx="0">
+            <a:schemeClr val="accent1"/>
+          </a:effectRef>
+          <a:fontRef idx="minor">
+            <a:schemeClr val="lt1"/>
+          </a:fontRef>
+        </p:style>
+        <p:txBody>
+          <a:bodyPr rtlCol="0" anchor="ctr"/>
+          <a:lstStyle/>
+          <a:p>
+            <a:pPr algn="ctr"/>
+            <a:endParaRPr lang="en-SG"/>
+          </a:p>
+        </p:txBody>
+      </p:sp>
+      <p:cxnSp>
+        <p:nvCxnSpPr>
+          <p:cNvPr id="14" name="Straight Arrow Connector 13">
+            <a:extLst>
+              <a:ext uri="{FF2B5EF4-FFF2-40B4-BE49-F238E27FC236}">
+                <a16:creationId xmlns:a16="http://schemas.microsoft.com/office/drawing/2014/main" id="{D6C90F11-A85E-5278-E08D-D910203B0FD1}"/>
+              </a:ext>
+            </a:extLst>
+          </p:cNvPr>
+          <p:cNvCxnSpPr>
+            <a:cxnSpLocks/>
+          </p:cNvCxnSpPr>
+          <p:nvPr/>
+        </p:nvCxnSpPr>
+        <p:spPr>
+          <a:xfrm flipH="1" flipV="1">
+            <a:off x="8052619" y="6238877"/>
+            <a:ext cx="1091381" cy="521308"/>
+          </a:xfrm>
+          <a:prstGeom prst="straightConnector1">
+            <a:avLst/>
+          </a:prstGeom>
+          <a:ln>
+            <a:tailEnd type="triangle"/>
+          </a:ln>
+        </p:spPr>
+        <p:style>
+          <a:lnRef idx="2">
+            <a:schemeClr val="accent1"/>
+          </a:lnRef>
+          <a:fillRef idx="0">
+            <a:schemeClr val="accent1"/>
+          </a:fillRef>
+          <a:effectRef idx="1">
+            <a:schemeClr val="accent1"/>
+          </a:effectRef>
+          <a:fontRef idx="minor">
+            <a:schemeClr val="tx1"/>
+          </a:fontRef>
+        </p:style>
+      </p:cxnSp>
+      <p:sp>
+        <p:nvSpPr>
+          <p:cNvPr id="15" name="TextBox 14">
+            <a:extLst>
+              <a:ext uri="{FF2B5EF4-FFF2-40B4-BE49-F238E27FC236}">
+                <a16:creationId xmlns:a16="http://schemas.microsoft.com/office/drawing/2014/main" id="{682FECFF-6AEA-0A89-03F4-FAA601919747}"/>
+              </a:ext>
+            </a:extLst>
+          </p:cNvPr>
+          <p:cNvSpPr txBox="1"/>
+          <p:nvPr/>
+        </p:nvSpPr>
+        <p:spPr>
+          <a:xfrm>
+            <a:off x="9144000" y="6536452"/>
+            <a:ext cx="1266565" cy="369332"/>
+          </a:xfrm>
+          <a:prstGeom prst="rect">
+            <a:avLst/>
+          </a:prstGeom>
+          <a:noFill/>
+        </p:spPr>
+        <p:txBody>
+          <a:bodyPr wrap="none" rtlCol="0">
+            <a:spAutoFit/>
+          </a:bodyPr>
+          <a:lstStyle/>
+          <a:p>
+            <a:r>
+              <a:rPr lang="en-SG" dirty="0"/>
+              <a:t>Starts here</a:t>
+            </a:r>
+          </a:p>
+        </p:txBody>
+      </p:sp>
+      <p:pic>
+        <p:nvPicPr>
+          <p:cNvPr id="19" name="Picture 18">
+            <a:extLst>
+              <a:ext uri="{FF2B5EF4-FFF2-40B4-BE49-F238E27FC236}">
+                <a16:creationId xmlns:a16="http://schemas.microsoft.com/office/drawing/2014/main" id="{5EC57AA1-496D-91E3-5FB5-4736F29F4A45}"/>
+              </a:ext>
+            </a:extLst>
+          </p:cNvPr>
+          <p:cNvPicPr>
+            <a:picLocks noChangeAspect="1"/>
+          </p:cNvPicPr>
+          <p:nvPr/>
+        </p:nvPicPr>
+        <p:blipFill>
+          <a:blip r:embed="rId3"/>
+          <a:stretch>
+            <a:fillRect/>
+          </a:stretch>
+        </p:blipFill>
+        <p:spPr>
+          <a:xfrm>
+            <a:off x="4360876" y="1271905"/>
+            <a:ext cx="6565031" cy="4303173"/>
+          </a:xfrm>
+          <a:prstGeom prst="rect">
+            <a:avLst/>
+          </a:prstGeom>
+        </p:spPr>
+      </p:pic>
+    </p:spTree>
+    <p:extLst>
+      <p:ext uri="{BB962C8B-B14F-4D97-AF65-F5344CB8AC3E}">
+        <p14:creationId xmlns:p14="http://schemas.microsoft.com/office/powerpoint/2010/main" val="3761405852"/>
+      </p:ext>
+    </p:extLst>
+  </p:cSld>
+  <p:clrMapOvr>
+    <a:masterClrMapping/>
+  </p:clrMapOvr>
+</p:sld>
+</file>
+
 <file path=ppt/theme/theme1.xml><?xml version="1.0" encoding="utf-8"?>
 <a:theme xmlns:a="http://schemas.openxmlformats.org/drawingml/2006/main" name="Office Theme">
   <a:themeElements>
